--- a/Massikamu.pptx
+++ b/Massikamu.pptx
@@ -12,9 +12,12 @@
     <p:sldId id="260" r:id="rId6"/>
     <p:sldId id="267" r:id="rId7"/>
     <p:sldId id="268" r:id="rId8"/>
-    <p:sldId id="264" r:id="rId9"/>
-    <p:sldId id="265" r:id="rId10"/>
-    <p:sldId id="266" r:id="rId11"/>
+    <p:sldId id="271" r:id="rId9"/>
+    <p:sldId id="264" r:id="rId10"/>
+    <p:sldId id="269" r:id="rId11"/>
+    <p:sldId id="270" r:id="rId12"/>
+    <p:sldId id="265" r:id="rId13"/>
+    <p:sldId id="266" r:id="rId14"/>
   </p:sldIdLst>
   <p:sldSz cx="12192000" cy="6858000"/>
   <p:notesSz cx="6858000" cy="9144000"/>
@@ -13031,7 +13034,7 @@
           <a:p>
             <a:fld id="{C764DE79-268F-4C1A-8933-263129D2AF90}" type="datetimeFigureOut">
               <a:rPr lang="en-US" dirty="0"/>
-              <a:t>8/8/23</a:t>
+              <a:t>8/23/23</a:t>
             </a:fld>
             <a:endParaRPr lang="en-US" dirty="0"/>
           </a:p>
@@ -13199,7 +13202,7 @@
           <a:p>
             <a:fld id="{C764DE79-268F-4C1A-8933-263129D2AF90}" type="datetimeFigureOut">
               <a:rPr lang="en-US" dirty="0"/>
-              <a:t>8/8/23</a:t>
+              <a:t>8/23/23</a:t>
             </a:fld>
             <a:endParaRPr lang="en-US" dirty="0"/>
           </a:p>
@@ -13377,7 +13380,7 @@
           <a:p>
             <a:fld id="{C764DE79-268F-4C1A-8933-263129D2AF90}" type="datetimeFigureOut">
               <a:rPr lang="en-US" dirty="0"/>
-              <a:t>8/8/23</a:t>
+              <a:t>8/23/23</a:t>
             </a:fld>
             <a:endParaRPr lang="en-US" dirty="0"/>
           </a:p>
@@ -13545,7 +13548,7 @@
           <a:p>
             <a:fld id="{C764DE79-268F-4C1A-8933-263129D2AF90}" type="datetimeFigureOut">
               <a:rPr lang="en-US" dirty="0"/>
-              <a:t>8/8/23</a:t>
+              <a:t>8/23/23</a:t>
             </a:fld>
             <a:endParaRPr lang="en-US" dirty="0"/>
           </a:p>
@@ -13790,7 +13793,7 @@
           <a:p>
             <a:fld id="{C764DE79-268F-4C1A-8933-263129D2AF90}" type="datetimeFigureOut">
               <a:rPr lang="en-US" dirty="0"/>
-              <a:t>8/8/23</a:t>
+              <a:t>8/23/23</a:t>
             </a:fld>
             <a:endParaRPr lang="en-US" dirty="0"/>
           </a:p>
@@ -14019,7 +14022,7 @@
           <a:p>
             <a:fld id="{C764DE79-268F-4C1A-8933-263129D2AF90}" type="datetimeFigureOut">
               <a:rPr lang="en-US" dirty="0"/>
-              <a:t>8/8/23</a:t>
+              <a:t>8/23/23</a:t>
             </a:fld>
             <a:endParaRPr lang="en-US" dirty="0"/>
           </a:p>
@@ -14383,7 +14386,7 @@
           <a:p>
             <a:fld id="{C764DE79-268F-4C1A-8933-263129D2AF90}" type="datetimeFigureOut">
               <a:rPr lang="en-US" dirty="0"/>
-              <a:t>8/8/23</a:t>
+              <a:t>8/23/23</a:t>
             </a:fld>
             <a:endParaRPr lang="en-US" dirty="0"/>
           </a:p>
@@ -14500,7 +14503,7 @@
           <a:p>
             <a:fld id="{C764DE79-268F-4C1A-8933-263129D2AF90}" type="datetimeFigureOut">
               <a:rPr lang="en-US" dirty="0"/>
-              <a:t>8/8/23</a:t>
+              <a:t>8/23/23</a:t>
             </a:fld>
             <a:endParaRPr lang="en-US" dirty="0"/>
           </a:p>
@@ -14595,7 +14598,7 @@
           <a:p>
             <a:fld id="{C764DE79-268F-4C1A-8933-263129D2AF90}" type="datetimeFigureOut">
               <a:rPr lang="en-US" dirty="0"/>
-              <a:t>8/8/23</a:t>
+              <a:t>8/23/23</a:t>
             </a:fld>
             <a:endParaRPr lang="en-US" dirty="0"/>
           </a:p>
@@ -14870,7 +14873,7 @@
           <a:p>
             <a:fld id="{C764DE79-268F-4C1A-8933-263129D2AF90}" type="datetimeFigureOut">
               <a:rPr lang="en-US" dirty="0"/>
-              <a:t>8/8/23</a:t>
+              <a:t>8/23/23</a:t>
             </a:fld>
             <a:endParaRPr lang="en-US" dirty="0"/>
           </a:p>
@@ -15122,7 +15125,7 @@
           <a:p>
             <a:fld id="{C764DE79-268F-4C1A-8933-263129D2AF90}" type="datetimeFigureOut">
               <a:rPr lang="en-US" dirty="0"/>
-              <a:t>8/8/23</a:t>
+              <a:t>8/23/23</a:t>
             </a:fld>
             <a:endParaRPr lang="en-US" dirty="0"/>
           </a:p>
@@ -15333,7 +15336,7 @@
           <a:p>
             <a:fld id="{C764DE79-268F-4C1A-8933-263129D2AF90}" type="datetimeFigureOut">
               <a:rPr lang="en-US" dirty="0"/>
-              <a:t>8/8/23</a:t>
+              <a:t>8/23/23</a:t>
             </a:fld>
             <a:endParaRPr lang="en-US" dirty="0"/>
           </a:p>
@@ -16328,6 +16331,1325 @@
       </p:grpSpPr>
       <p:sp>
         <p:nvSpPr>
+          <p:cNvPr id="10" name="Rectangle 9">
+            <a:extLst>
+              <a:ext uri="{FF2B5EF4-FFF2-40B4-BE49-F238E27FC236}">
+                <a16:creationId xmlns:a16="http://schemas.microsoft.com/office/drawing/2014/main" id="{F3060C83-F051-4F0E-ABAD-AA0DFC48B218}"/>
+              </a:ext>
+              <a:ext uri="{C183D7F6-B498-43B3-948B-1728B52AA6E4}">
+                <adec:decorative xmlns:adec="http://schemas.microsoft.com/office/drawing/2017/decorative" val="1"/>
+              </a:ext>
+            </a:extLst>
+          </p:cNvPr>
+          <p:cNvSpPr>
+            <a:spLocks noGrp="1" noRot="1" noChangeAspect="1" noMove="1" noResize="1" noEditPoints="1" noAdjustHandles="1" noChangeArrowheads="1" noChangeShapeType="1" noTextEdit="1"/>
+          </p:cNvSpPr>
+          <p:nvPr>
+            <p:extLst>
+              <p:ext uri="{386F3935-93C4-4BCD-93E2-E3B085C9AB24}">
+                <p16:designElem xmlns:p16="http://schemas.microsoft.com/office/powerpoint/2015/main" val="1"/>
+              </p:ext>
+            </p:extLst>
+          </p:nvPr>
+        </p:nvSpPr>
+        <p:spPr>
+          <a:xfrm>
+            <a:off x="0" y="0"/>
+            <a:ext cx="12192000" cy="6858000"/>
+          </a:xfrm>
+          <a:prstGeom prst="rect">
+            <a:avLst/>
+          </a:prstGeom>
+          <a:solidFill>
+            <a:schemeClr val="bg1"/>
+          </a:solidFill>
+          <a:ln>
+            <a:noFill/>
+          </a:ln>
+        </p:spPr>
+        <p:style>
+          <a:lnRef idx="2">
+            <a:schemeClr val="accent1">
+              <a:shade val="50000"/>
+            </a:schemeClr>
+          </a:lnRef>
+          <a:fillRef idx="1">
+            <a:schemeClr val="accent1"/>
+          </a:fillRef>
+          <a:effectRef idx="0">
+            <a:schemeClr val="accent1"/>
+          </a:effectRef>
+          <a:fontRef idx="minor">
+            <a:schemeClr val="lt1"/>
+          </a:fontRef>
+        </p:style>
+        <p:txBody>
+          <a:bodyPr rtlCol="0" anchor="ctr"/>
+          <a:lstStyle/>
+          <a:p>
+            <a:pPr algn="ctr"/>
+            <a:endParaRPr lang="en-US" dirty="0"/>
+          </a:p>
+        </p:txBody>
+      </p:sp>
+      <p:sp>
+        <p:nvSpPr>
+          <p:cNvPr id="12" name="Freeform: Shape 11">
+            <a:extLst>
+              <a:ext uri="{FF2B5EF4-FFF2-40B4-BE49-F238E27FC236}">
+                <a16:creationId xmlns:a16="http://schemas.microsoft.com/office/drawing/2014/main" id="{83C98ABE-055B-441F-B07E-44F97F083C39}"/>
+              </a:ext>
+              <a:ext uri="{C183D7F6-B498-43B3-948B-1728B52AA6E4}">
+                <adec:decorative xmlns:adec="http://schemas.microsoft.com/office/drawing/2017/decorative" val="1"/>
+              </a:ext>
+            </a:extLst>
+          </p:cNvPr>
+          <p:cNvSpPr>
+            <a:spLocks noGrp="1" noRot="1" noChangeAspect="1" noMove="1" noResize="1" noEditPoints="1" noAdjustHandles="1" noChangeArrowheads="1" noChangeShapeType="1" noTextEdit="1"/>
+          </p:cNvSpPr>
+          <p:nvPr>
+            <p:extLst>
+              <p:ext uri="{386F3935-93C4-4BCD-93E2-E3B085C9AB24}">
+                <p16:designElem xmlns:p16="http://schemas.microsoft.com/office/powerpoint/2015/main" val="1"/>
+              </p:ext>
+            </p:extLst>
+          </p:nvPr>
+        </p:nvSpPr>
+        <p:spPr>
+          <a:xfrm rot="18900000" flipH="1">
+            <a:off x="-376156" y="-253670"/>
+            <a:ext cx="1827638" cy="1376989"/>
+          </a:xfrm>
+          <a:custGeom>
+            <a:avLst/>
+            <a:gdLst>
+              <a:gd name="connsiteX0" fmla="*/ 0 w 1827638"/>
+              <a:gd name="connsiteY0" fmla="*/ 987379 h 1376989"/>
+              <a:gd name="connsiteX1" fmla="*/ 987379 w 1827638"/>
+              <a:gd name="connsiteY1" fmla="*/ 0 h 1376989"/>
+              <a:gd name="connsiteX2" fmla="*/ 1827638 w 1827638"/>
+              <a:gd name="connsiteY2" fmla="*/ 840260 h 1376989"/>
+              <a:gd name="connsiteX3" fmla="*/ 1827638 w 1827638"/>
+              <a:gd name="connsiteY3" fmla="*/ 1376989 h 1376989"/>
+              <a:gd name="connsiteX4" fmla="*/ 0 w 1827638"/>
+              <a:gd name="connsiteY4" fmla="*/ 1376989 h 1376989"/>
+            </a:gdLst>
+            <a:ahLst/>
+            <a:cxnLst>
+              <a:cxn ang="0">
+                <a:pos x="connsiteX0" y="connsiteY0"/>
+              </a:cxn>
+              <a:cxn ang="0">
+                <a:pos x="connsiteX1" y="connsiteY1"/>
+              </a:cxn>
+              <a:cxn ang="0">
+                <a:pos x="connsiteX2" y="connsiteY2"/>
+              </a:cxn>
+              <a:cxn ang="0">
+                <a:pos x="connsiteX3" y="connsiteY3"/>
+              </a:cxn>
+              <a:cxn ang="0">
+                <a:pos x="connsiteX4" y="connsiteY4"/>
+              </a:cxn>
+            </a:cxnLst>
+            <a:rect l="l" t="t" r="r" b="b"/>
+            <a:pathLst>
+              <a:path w="1827638" h="1376989">
+                <a:moveTo>
+                  <a:pt x="0" y="987379"/>
+                </a:moveTo>
+                <a:lnTo>
+                  <a:pt x="987379" y="0"/>
+                </a:lnTo>
+                <a:lnTo>
+                  <a:pt x="1827638" y="840260"/>
+                </a:lnTo>
+                <a:lnTo>
+                  <a:pt x="1827638" y="1376989"/>
+                </a:lnTo>
+                <a:lnTo>
+                  <a:pt x="0" y="1376989"/>
+                </a:lnTo>
+                <a:close/>
+              </a:path>
+            </a:pathLst>
+          </a:custGeom>
+          <a:solidFill>
+            <a:schemeClr val="accent1">
+              <a:alpha val="30000"/>
+            </a:schemeClr>
+          </a:solidFill>
+          <a:ln>
+            <a:noFill/>
+          </a:ln>
+        </p:spPr>
+        <p:style>
+          <a:lnRef idx="2">
+            <a:schemeClr val="accent1">
+              <a:shade val="50000"/>
+            </a:schemeClr>
+          </a:lnRef>
+          <a:fillRef idx="1">
+            <a:schemeClr val="accent1"/>
+          </a:fillRef>
+          <a:effectRef idx="0">
+            <a:schemeClr val="accent1"/>
+          </a:effectRef>
+          <a:fontRef idx="minor">
+            <a:schemeClr val="lt1"/>
+          </a:fontRef>
+        </p:style>
+        <p:txBody>
+          <a:bodyPr rtlCol="0" anchor="ctr"/>
+          <a:lstStyle/>
+          <a:p>
+            <a:pPr algn="ctr"/>
+            <a:endParaRPr lang="en-US" dirty="0"/>
+          </a:p>
+        </p:txBody>
+      </p:sp>
+      <p:sp>
+        <p:nvSpPr>
+          <p:cNvPr id="14" name="Rectangle 13">
+            <a:extLst>
+              <a:ext uri="{FF2B5EF4-FFF2-40B4-BE49-F238E27FC236}">
+                <a16:creationId xmlns:a16="http://schemas.microsoft.com/office/drawing/2014/main" id="{29FDB030-9B49-4CED-8CCD-4D99382388AC}"/>
+              </a:ext>
+              <a:ext uri="{C183D7F6-B498-43B3-948B-1728B52AA6E4}">
+                <adec:decorative xmlns:adec="http://schemas.microsoft.com/office/drawing/2017/decorative" val="1"/>
+              </a:ext>
+            </a:extLst>
+          </p:cNvPr>
+          <p:cNvSpPr>
+            <a:spLocks noGrp="1" noRot="1" noChangeAspect="1" noMove="1" noResize="1" noEditPoints="1" noAdjustHandles="1" noChangeArrowheads="1" noChangeShapeType="1" noTextEdit="1"/>
+          </p:cNvSpPr>
+          <p:nvPr>
+            <p:extLst>
+              <p:ext uri="{386F3935-93C4-4BCD-93E2-E3B085C9AB24}">
+                <p16:designElem xmlns:p16="http://schemas.microsoft.com/office/powerpoint/2015/main" val="1"/>
+              </p:ext>
+            </p:extLst>
+          </p:nvPr>
+        </p:nvSpPr>
+        <p:spPr>
+          <a:xfrm rot="18900000" flipH="1">
+            <a:off x="891641" y="422146"/>
+            <a:ext cx="645368" cy="645368"/>
+          </a:xfrm>
+          <a:prstGeom prst="rect">
+            <a:avLst/>
+          </a:prstGeom>
+          <a:solidFill>
+            <a:schemeClr val="accent1">
+              <a:alpha val="30000"/>
+            </a:schemeClr>
+          </a:solidFill>
+          <a:ln>
+            <a:noFill/>
+          </a:ln>
+        </p:spPr>
+        <p:style>
+          <a:lnRef idx="2">
+            <a:schemeClr val="accent1">
+              <a:shade val="50000"/>
+            </a:schemeClr>
+          </a:lnRef>
+          <a:fillRef idx="1">
+            <a:schemeClr val="accent1"/>
+          </a:fillRef>
+          <a:effectRef idx="0">
+            <a:schemeClr val="accent1"/>
+          </a:effectRef>
+          <a:fontRef idx="minor">
+            <a:schemeClr val="lt1"/>
+          </a:fontRef>
+        </p:style>
+        <p:txBody>
+          <a:bodyPr rtlCol="0" anchor="ctr"/>
+          <a:lstStyle/>
+          <a:p>
+            <a:pPr algn="ctr"/>
+            <a:endParaRPr lang="en-US"/>
+          </a:p>
+        </p:txBody>
+      </p:sp>
+      <p:sp>
+        <p:nvSpPr>
+          <p:cNvPr id="16" name="Rectangle 15">
+            <a:extLst>
+              <a:ext uri="{FF2B5EF4-FFF2-40B4-BE49-F238E27FC236}">
+                <a16:creationId xmlns:a16="http://schemas.microsoft.com/office/drawing/2014/main" id="{3783CA14-24A1-485C-8B30-D6A5D87987AD}"/>
+              </a:ext>
+              <a:ext uri="{C183D7F6-B498-43B3-948B-1728B52AA6E4}">
+                <adec:decorative xmlns:adec="http://schemas.microsoft.com/office/drawing/2017/decorative" val="1"/>
+              </a:ext>
+            </a:extLst>
+          </p:cNvPr>
+          <p:cNvSpPr>
+            <a:spLocks noGrp="1" noRot="1" noChangeAspect="1" noMove="1" noResize="1" noEditPoints="1" noAdjustHandles="1" noChangeArrowheads="1" noChangeShapeType="1" noTextEdit="1"/>
+          </p:cNvSpPr>
+          <p:nvPr>
+            <p:extLst>
+              <p:ext uri="{386F3935-93C4-4BCD-93E2-E3B085C9AB24}">
+                <p16:designElem xmlns:p16="http://schemas.microsoft.com/office/powerpoint/2015/main" val="1"/>
+              </p:ext>
+            </p:extLst>
+          </p:nvPr>
+        </p:nvSpPr>
+        <p:spPr>
+          <a:xfrm rot="18900000" flipH="1">
+            <a:off x="10043482" y="655140"/>
+            <a:ext cx="687472" cy="687472"/>
+          </a:xfrm>
+          <a:prstGeom prst="rect">
+            <a:avLst/>
+          </a:prstGeom>
+          <a:solidFill>
+            <a:schemeClr val="accent4">
+              <a:alpha val="30000"/>
+            </a:schemeClr>
+          </a:solidFill>
+          <a:ln>
+            <a:noFill/>
+          </a:ln>
+        </p:spPr>
+        <p:style>
+          <a:lnRef idx="2">
+            <a:schemeClr val="accent1">
+              <a:shade val="50000"/>
+            </a:schemeClr>
+          </a:lnRef>
+          <a:fillRef idx="1">
+            <a:schemeClr val="accent1"/>
+          </a:fillRef>
+          <a:effectRef idx="0">
+            <a:schemeClr val="accent1"/>
+          </a:effectRef>
+          <a:fontRef idx="minor">
+            <a:schemeClr val="lt1"/>
+          </a:fontRef>
+        </p:style>
+        <p:txBody>
+          <a:bodyPr rtlCol="0" anchor="ctr"/>
+          <a:lstStyle/>
+          <a:p>
+            <a:pPr algn="ctr"/>
+            <a:endParaRPr lang="en-US"/>
+          </a:p>
+        </p:txBody>
+      </p:sp>
+      <p:sp>
+        <p:nvSpPr>
+          <p:cNvPr id="18" name="Freeform: Shape 17">
+            <a:extLst>
+              <a:ext uri="{FF2B5EF4-FFF2-40B4-BE49-F238E27FC236}">
+                <a16:creationId xmlns:a16="http://schemas.microsoft.com/office/drawing/2014/main" id="{9A97C86A-04D6-40F7-AE84-31AB43E6A846}"/>
+              </a:ext>
+              <a:ext uri="{C183D7F6-B498-43B3-948B-1728B52AA6E4}">
+                <adec:decorative xmlns:adec="http://schemas.microsoft.com/office/drawing/2017/decorative" val="1"/>
+              </a:ext>
+            </a:extLst>
+          </p:cNvPr>
+          <p:cNvSpPr>
+            <a:spLocks noGrp="1" noRot="1" noChangeAspect="1" noMove="1" noResize="1" noEditPoints="1" noAdjustHandles="1" noChangeArrowheads="1" noChangeShapeType="1" noTextEdit="1"/>
+          </p:cNvSpPr>
+          <p:nvPr>
+            <p:extLst>
+              <p:ext uri="{386F3935-93C4-4BCD-93E2-E3B085C9AB24}">
+                <p16:designElem xmlns:p16="http://schemas.microsoft.com/office/powerpoint/2015/main" val="1"/>
+              </p:ext>
+            </p:extLst>
+          </p:nvPr>
+        </p:nvSpPr>
+        <p:spPr>
+          <a:xfrm rot="10800000" flipH="1">
+            <a:off x="9356643" y="0"/>
+            <a:ext cx="2835357" cy="1480837"/>
+          </a:xfrm>
+          <a:custGeom>
+            <a:avLst/>
+            <a:gdLst>
+              <a:gd name="connsiteX0" fmla="*/ 2835357 w 2835357"/>
+              <a:gd name="connsiteY0" fmla="*/ 1480837 h 1480837"/>
+              <a:gd name="connsiteX1" fmla="*/ 0 w 2835357"/>
+              <a:gd name="connsiteY1" fmla="*/ 1480837 h 1480837"/>
+              <a:gd name="connsiteX2" fmla="*/ 1552727 w 2835357"/>
+              <a:gd name="connsiteY2" fmla="*/ 0 h 1480837"/>
+              <a:gd name="connsiteX3" fmla="*/ 2835357 w 2835357"/>
+              <a:gd name="connsiteY3" fmla="*/ 1223245 h 1480837"/>
+            </a:gdLst>
+            <a:ahLst/>
+            <a:cxnLst>
+              <a:cxn ang="0">
+                <a:pos x="connsiteX0" y="connsiteY0"/>
+              </a:cxn>
+              <a:cxn ang="0">
+                <a:pos x="connsiteX1" y="connsiteY1"/>
+              </a:cxn>
+              <a:cxn ang="0">
+                <a:pos x="connsiteX2" y="connsiteY2"/>
+              </a:cxn>
+              <a:cxn ang="0">
+                <a:pos x="connsiteX3" y="connsiteY3"/>
+              </a:cxn>
+            </a:cxnLst>
+            <a:rect l="l" t="t" r="r" b="b"/>
+            <a:pathLst>
+              <a:path w="2835357" h="1480837">
+                <a:moveTo>
+                  <a:pt x="2835357" y="1480837"/>
+                </a:moveTo>
+                <a:lnTo>
+                  <a:pt x="0" y="1480837"/>
+                </a:lnTo>
+                <a:lnTo>
+                  <a:pt x="1552727" y="0"/>
+                </a:lnTo>
+                <a:lnTo>
+                  <a:pt x="2835357" y="1223245"/>
+                </a:lnTo>
+                <a:close/>
+              </a:path>
+            </a:pathLst>
+          </a:custGeom>
+          <a:solidFill>
+            <a:schemeClr val="accent4">
+              <a:alpha val="30000"/>
+            </a:schemeClr>
+          </a:solidFill>
+          <a:ln>
+            <a:noFill/>
+          </a:ln>
+        </p:spPr>
+        <p:style>
+          <a:lnRef idx="2">
+            <a:schemeClr val="accent1">
+              <a:shade val="50000"/>
+            </a:schemeClr>
+          </a:lnRef>
+          <a:fillRef idx="1">
+            <a:schemeClr val="accent1"/>
+          </a:fillRef>
+          <a:effectRef idx="0">
+            <a:schemeClr val="accent1"/>
+          </a:effectRef>
+          <a:fontRef idx="minor">
+            <a:schemeClr val="lt1"/>
+          </a:fontRef>
+        </p:style>
+        <p:txBody>
+          <a:bodyPr wrap="square" rtlCol="0" anchor="ctr">
+            <a:noAutofit/>
+          </a:bodyPr>
+          <a:lstStyle/>
+          <a:p>
+            <a:pPr algn="ctr"/>
+            <a:endParaRPr lang="en-US" dirty="0"/>
+          </a:p>
+        </p:txBody>
+      </p:sp>
+      <p:sp>
+        <p:nvSpPr>
+          <p:cNvPr id="20" name="Isosceles Triangle 19">
+            <a:extLst>
+              <a:ext uri="{FF2B5EF4-FFF2-40B4-BE49-F238E27FC236}">
+                <a16:creationId xmlns:a16="http://schemas.microsoft.com/office/drawing/2014/main" id="{FF9F2414-84E8-453E-B1F3-389FDE8192D9}"/>
+              </a:ext>
+              <a:ext uri="{C183D7F6-B498-43B3-948B-1728B52AA6E4}">
+                <adec:decorative xmlns:adec="http://schemas.microsoft.com/office/drawing/2017/decorative" val="1"/>
+              </a:ext>
+            </a:extLst>
+          </p:cNvPr>
+          <p:cNvSpPr>
+            <a:spLocks noGrp="1" noRot="1" noChangeAspect="1" noMove="1" noResize="1" noEditPoints="1" noAdjustHandles="1" noChangeArrowheads="1" noChangeShapeType="1" noTextEdit="1"/>
+          </p:cNvSpPr>
+          <p:nvPr>
+            <p:extLst>
+              <p:ext uri="{386F3935-93C4-4BCD-93E2-E3B085C9AB24}">
+                <p16:designElem xmlns:p16="http://schemas.microsoft.com/office/powerpoint/2015/main" val="1"/>
+              </p:ext>
+            </p:extLst>
+          </p:nvPr>
+        </p:nvSpPr>
+        <p:spPr>
+          <a:xfrm flipH="1">
+            <a:off x="7976344" y="6115501"/>
+            <a:ext cx="1494513" cy="742499"/>
+          </a:xfrm>
+          <a:prstGeom prst="triangle">
+            <a:avLst/>
+          </a:prstGeom>
+          <a:solidFill>
+            <a:schemeClr val="accent1">
+              <a:alpha val="30000"/>
+            </a:schemeClr>
+          </a:solidFill>
+          <a:ln>
+            <a:noFill/>
+          </a:ln>
+        </p:spPr>
+        <p:style>
+          <a:lnRef idx="2">
+            <a:schemeClr val="accent1">
+              <a:shade val="50000"/>
+            </a:schemeClr>
+          </a:lnRef>
+          <a:fillRef idx="1">
+            <a:schemeClr val="accent1"/>
+          </a:fillRef>
+          <a:effectRef idx="0">
+            <a:schemeClr val="accent1"/>
+          </a:effectRef>
+          <a:fontRef idx="minor">
+            <a:schemeClr val="lt1"/>
+          </a:fontRef>
+        </p:style>
+        <p:txBody>
+          <a:bodyPr rtlCol="0" anchor="ctr"/>
+          <a:lstStyle/>
+          <a:p>
+            <a:pPr algn="ctr"/>
+            <a:endParaRPr lang="en-US"/>
+          </a:p>
+        </p:txBody>
+      </p:sp>
+      <p:pic>
+        <p:nvPicPr>
+          <p:cNvPr id="5" name="Content Placeholder 4" descr="A screenshot of a computer&#10;&#10;Description automatically generated">
+            <a:extLst>
+              <a:ext uri="{FF2B5EF4-FFF2-40B4-BE49-F238E27FC236}">
+                <a16:creationId xmlns:a16="http://schemas.microsoft.com/office/drawing/2014/main" id="{9C989137-6DD8-92A5-808F-B21CE91F586E}"/>
+              </a:ext>
+            </a:extLst>
+          </p:cNvPr>
+          <p:cNvPicPr>
+            <a:picLocks noGrp="1" noChangeAspect="1"/>
+          </p:cNvPicPr>
+          <p:nvPr>
+            <p:ph idx="1"/>
+          </p:nvPr>
+        </p:nvPicPr>
+        <p:blipFill>
+          <a:blip r:embed="rId2">
+            <a:extLst>
+              <a:ext uri="{28A0092B-C50C-407E-A947-70E740481C1C}">
+                <a14:useLocalDpi xmlns:a14="http://schemas.microsoft.com/office/drawing/2010/main" val="0"/>
+              </a:ext>
+            </a:extLst>
+          </a:blip>
+          <a:stretch>
+            <a:fillRect/>
+          </a:stretch>
+        </p:blipFill>
+        <p:spPr>
+          <a:xfrm>
+            <a:off x="643467" y="934466"/>
+            <a:ext cx="10905066" cy="4989067"/>
+          </a:xfrm>
+          <a:prstGeom prst="rect">
+            <a:avLst/>
+          </a:prstGeom>
+          <a:ln>
+            <a:noFill/>
+          </a:ln>
+        </p:spPr>
+      </p:pic>
+      <p:sp>
+        <p:nvSpPr>
+          <p:cNvPr id="22" name="Isosceles Triangle 21">
+            <a:extLst>
+              <a:ext uri="{FF2B5EF4-FFF2-40B4-BE49-F238E27FC236}">
+                <a16:creationId xmlns:a16="http://schemas.microsoft.com/office/drawing/2014/main" id="{3ECA69A1-7536-43AC-85EF-C7106179F5ED}"/>
+              </a:ext>
+              <a:ext uri="{C183D7F6-B498-43B3-948B-1728B52AA6E4}">
+                <adec:decorative xmlns:adec="http://schemas.microsoft.com/office/drawing/2017/decorative" val="1"/>
+              </a:ext>
+            </a:extLst>
+          </p:cNvPr>
+          <p:cNvSpPr>
+            <a:spLocks noGrp="1" noRot="1" noChangeAspect="1" noMove="1" noResize="1" noEditPoints="1" noAdjustHandles="1" noChangeArrowheads="1" noChangeShapeType="1" noTextEdit="1"/>
+          </p:cNvSpPr>
+          <p:nvPr>
+            <p:extLst>
+              <p:ext uri="{386F3935-93C4-4BCD-93E2-E3B085C9AB24}">
+                <p16:designElem xmlns:p16="http://schemas.microsoft.com/office/powerpoint/2015/main" val="1"/>
+              </p:ext>
+            </p:extLst>
+          </p:nvPr>
+        </p:nvSpPr>
+        <p:spPr>
+          <a:xfrm flipH="1">
+            <a:off x="7604080" y="6453143"/>
+            <a:ext cx="814903" cy="404857"/>
+          </a:xfrm>
+          <a:prstGeom prst="triangle">
+            <a:avLst/>
+          </a:prstGeom>
+          <a:solidFill>
+            <a:schemeClr val="accent1">
+              <a:alpha val="30000"/>
+            </a:schemeClr>
+          </a:solidFill>
+          <a:ln>
+            <a:noFill/>
+          </a:ln>
+        </p:spPr>
+        <p:style>
+          <a:lnRef idx="2">
+            <a:schemeClr val="accent1">
+              <a:shade val="50000"/>
+            </a:schemeClr>
+          </a:lnRef>
+          <a:fillRef idx="1">
+            <a:schemeClr val="accent1"/>
+          </a:fillRef>
+          <a:effectRef idx="0">
+            <a:schemeClr val="accent1"/>
+          </a:effectRef>
+          <a:fontRef idx="minor">
+            <a:schemeClr val="lt1"/>
+          </a:fontRef>
+        </p:style>
+        <p:txBody>
+          <a:bodyPr rtlCol="0" anchor="ctr"/>
+          <a:lstStyle/>
+          <a:p>
+            <a:pPr algn="ctr"/>
+            <a:endParaRPr lang="en-US"/>
+          </a:p>
+        </p:txBody>
+      </p:sp>
+    </p:spTree>
+    <p:extLst>
+      <p:ext uri="{BB962C8B-B14F-4D97-AF65-F5344CB8AC3E}">
+        <p14:creationId xmlns:p14="http://schemas.microsoft.com/office/powerpoint/2010/main" val="2330853429"/>
+      </p:ext>
+    </p:extLst>
+  </p:cSld>
+  <p:clrMapOvr>
+    <a:masterClrMapping/>
+  </p:clrMapOvr>
+</p:sld>
+</file>
+
+<file path=ppt/slides/slide11.xml><?xml version="1.0" encoding="utf-8"?>
+<p:sld xmlns:a="http://schemas.openxmlformats.org/drawingml/2006/main" xmlns:r="http://schemas.openxmlformats.org/officeDocument/2006/relationships" xmlns:p="http://schemas.openxmlformats.org/presentationml/2006/main">
+  <p:cSld>
+    <p:bg>
+      <p:bgPr>
+        <a:solidFill>
+          <a:schemeClr val="bg1"/>
+        </a:solidFill>
+        <a:effectLst/>
+      </p:bgPr>
+    </p:bg>
+    <p:spTree>
+      <p:nvGrpSpPr>
+        <p:cNvPr id="1" name=""/>
+        <p:cNvGrpSpPr/>
+        <p:nvPr/>
+      </p:nvGrpSpPr>
+      <p:grpSpPr>
+        <a:xfrm>
+          <a:off x="0" y="0"/>
+          <a:ext cx="0" cy="0"/>
+          <a:chOff x="0" y="0"/>
+          <a:chExt cx="0" cy="0"/>
+        </a:xfrm>
+      </p:grpSpPr>
+      <p:sp>
+        <p:nvSpPr>
+          <p:cNvPr id="10" name="Rectangle 9">
+            <a:extLst>
+              <a:ext uri="{FF2B5EF4-FFF2-40B4-BE49-F238E27FC236}">
+                <a16:creationId xmlns:a16="http://schemas.microsoft.com/office/drawing/2014/main" id="{86FF76B9-219D-4469-AF87-0236D29032F1}"/>
+              </a:ext>
+              <a:ext uri="{C183D7F6-B498-43B3-948B-1728B52AA6E4}">
+                <adec:decorative xmlns:adec="http://schemas.microsoft.com/office/drawing/2017/decorative" val="1"/>
+              </a:ext>
+            </a:extLst>
+          </p:cNvPr>
+          <p:cNvSpPr>
+            <a:spLocks noGrp="1" noRot="1" noChangeAspect="1" noMove="1" noResize="1" noEditPoints="1" noAdjustHandles="1" noChangeArrowheads="1" noChangeShapeType="1" noTextEdit="1"/>
+          </p:cNvSpPr>
+          <p:nvPr>
+            <p:extLst>
+              <p:ext uri="{386F3935-93C4-4BCD-93E2-E3B085C9AB24}">
+                <p16:designElem xmlns:p16="http://schemas.microsoft.com/office/powerpoint/2015/main" val="1"/>
+              </p:ext>
+            </p:extLst>
+          </p:nvPr>
+        </p:nvSpPr>
+        <p:spPr>
+          <a:xfrm>
+            <a:off x="0" y="0"/>
+            <a:ext cx="12192000" cy="6858000"/>
+          </a:xfrm>
+          <a:prstGeom prst="rect">
+            <a:avLst/>
+          </a:prstGeom>
+          <a:solidFill>
+            <a:schemeClr val="bg1"/>
+          </a:solidFill>
+          <a:ln>
+            <a:noFill/>
+          </a:ln>
+        </p:spPr>
+        <p:style>
+          <a:lnRef idx="2">
+            <a:schemeClr val="accent1">
+              <a:shade val="50000"/>
+            </a:schemeClr>
+          </a:lnRef>
+          <a:fillRef idx="1">
+            <a:schemeClr val="accent1"/>
+          </a:fillRef>
+          <a:effectRef idx="0">
+            <a:schemeClr val="accent1"/>
+          </a:effectRef>
+          <a:fontRef idx="minor">
+            <a:schemeClr val="lt1"/>
+          </a:fontRef>
+        </p:style>
+        <p:txBody>
+          <a:bodyPr rtlCol="0" anchor="ctr"/>
+          <a:lstStyle/>
+          <a:p>
+            <a:pPr algn="ctr"/>
+            <a:endParaRPr lang="en-US" dirty="0"/>
+          </a:p>
+        </p:txBody>
+      </p:sp>
+      <p:grpSp>
+        <p:nvGrpSpPr>
+          <p:cNvPr id="12" name="Group 11">
+            <a:extLst>
+              <a:ext uri="{FF2B5EF4-FFF2-40B4-BE49-F238E27FC236}">
+                <a16:creationId xmlns:a16="http://schemas.microsoft.com/office/drawing/2014/main" id="{DB88BD78-87E1-424D-B479-C37D8E41B12E}"/>
+              </a:ext>
+              <a:ext uri="{C183D7F6-B498-43B3-948B-1728B52AA6E4}">
+                <adec:decorative xmlns:adec="http://schemas.microsoft.com/office/drawing/2017/decorative" val="1"/>
+              </a:ext>
+            </a:extLst>
+          </p:cNvPr>
+          <p:cNvGrpSpPr>
+            <a:grpSpLocks noGrp="1" noUngrp="1" noRot="1" noChangeAspect="1" noMove="1" noResize="1"/>
+          </p:cNvGrpSpPr>
+          <p:nvPr>
+            <p:extLst>
+              <p:ext uri="{386F3935-93C4-4BCD-93E2-E3B085C9AB24}">
+                <p16:designElem xmlns:p16="http://schemas.microsoft.com/office/powerpoint/2015/main" val="1"/>
+              </p:ext>
+            </p:extLst>
+          </p:nvPr>
+        </p:nvGrpSpPr>
+        <p:grpSpPr>
+          <a:xfrm flipH="1">
+            <a:off x="10964637" y="2358"/>
+            <a:ext cx="1876653" cy="1766008"/>
+            <a:chOff x="-648769" y="2358"/>
+            <a:chExt cx="1876653" cy="1766008"/>
+          </a:xfrm>
+        </p:grpSpPr>
+        <p:sp>
+          <p:nvSpPr>
+            <p:cNvPr id="13" name="Freeform: Shape 12">
+              <a:extLst>
+                <a:ext uri="{FF2B5EF4-FFF2-40B4-BE49-F238E27FC236}">
+                  <a16:creationId xmlns:a16="http://schemas.microsoft.com/office/drawing/2014/main" id="{C05EB894-9410-4B20-95E4-7A25101AB895}"/>
+                </a:ext>
+                <a:ext uri="{C183D7F6-B498-43B3-948B-1728B52AA6E4}">
+                  <adec:decorative xmlns:adec="http://schemas.microsoft.com/office/drawing/2017/decorative" val="1"/>
+                </a:ext>
+              </a:extLst>
+            </p:cNvPr>
+            <p:cNvSpPr/>
+            <p:nvPr>
+              <p:extLst>
+                <p:ext uri="{386F3935-93C4-4BCD-93E2-E3B085C9AB24}">
+                  <p16:designElem xmlns:p16="http://schemas.microsoft.com/office/powerpoint/2015/main" val="1"/>
+                </p:ext>
+              </p:extLst>
+            </p:nvPr>
+          </p:nvSpPr>
+          <p:spPr>
+            <a:xfrm rot="2700000">
+              <a:off x="-415188" y="-231223"/>
+              <a:ext cx="1409491" cy="1876653"/>
+            </a:xfrm>
+            <a:custGeom>
+              <a:avLst/>
+              <a:gdLst>
+                <a:gd name="connsiteX0" fmla="*/ 0 w 1409491"/>
+                <a:gd name="connsiteY0" fmla="*/ 643075 h 1876653"/>
+                <a:gd name="connsiteX1" fmla="*/ 643075 w 1409491"/>
+                <a:gd name="connsiteY1" fmla="*/ 0 h 1876653"/>
+                <a:gd name="connsiteX2" fmla="*/ 1409491 w 1409491"/>
+                <a:gd name="connsiteY2" fmla="*/ 0 h 1876653"/>
+                <a:gd name="connsiteX3" fmla="*/ 1409491 w 1409491"/>
+                <a:gd name="connsiteY3" fmla="*/ 1876653 h 1876653"/>
+                <a:gd name="connsiteX4" fmla="*/ 1233578 w 1409491"/>
+                <a:gd name="connsiteY4" fmla="*/ 1876653 h 1876653"/>
+              </a:gdLst>
+              <a:ahLst/>
+              <a:cxnLst>
+                <a:cxn ang="0">
+                  <a:pos x="connsiteX0" y="connsiteY0"/>
+                </a:cxn>
+                <a:cxn ang="0">
+                  <a:pos x="connsiteX1" y="connsiteY1"/>
+                </a:cxn>
+                <a:cxn ang="0">
+                  <a:pos x="connsiteX2" y="connsiteY2"/>
+                </a:cxn>
+                <a:cxn ang="0">
+                  <a:pos x="connsiteX3" y="connsiteY3"/>
+                </a:cxn>
+                <a:cxn ang="0">
+                  <a:pos x="connsiteX4" y="connsiteY4"/>
+                </a:cxn>
+              </a:cxnLst>
+              <a:rect l="l" t="t" r="r" b="b"/>
+              <a:pathLst>
+                <a:path w="1409491" h="1876653">
+                  <a:moveTo>
+                    <a:pt x="0" y="643075"/>
+                  </a:moveTo>
+                  <a:lnTo>
+                    <a:pt x="643075" y="0"/>
+                  </a:lnTo>
+                  <a:lnTo>
+                    <a:pt x="1409491" y="0"/>
+                  </a:lnTo>
+                  <a:lnTo>
+                    <a:pt x="1409491" y="1876653"/>
+                  </a:lnTo>
+                  <a:lnTo>
+                    <a:pt x="1233578" y="1876653"/>
+                  </a:lnTo>
+                  <a:close/>
+                </a:path>
+              </a:pathLst>
+            </a:custGeom>
+            <a:solidFill>
+              <a:schemeClr val="accent1">
+                <a:alpha val="30000"/>
+              </a:schemeClr>
+            </a:solidFill>
+            <a:ln>
+              <a:noFill/>
+            </a:ln>
+          </p:spPr>
+          <p:style>
+            <a:lnRef idx="2">
+              <a:schemeClr val="accent1">
+                <a:shade val="50000"/>
+              </a:schemeClr>
+            </a:lnRef>
+            <a:fillRef idx="1">
+              <a:schemeClr val="accent1"/>
+            </a:fillRef>
+            <a:effectRef idx="0">
+              <a:schemeClr val="accent1"/>
+            </a:effectRef>
+            <a:fontRef idx="minor">
+              <a:schemeClr val="lt1"/>
+            </a:fontRef>
+          </p:style>
+          <p:txBody>
+            <a:bodyPr rtlCol="0" anchor="ctr"/>
+            <a:lstStyle/>
+            <a:p>
+              <a:pPr algn="ctr"/>
+              <a:endParaRPr lang="en-US"/>
+            </a:p>
+          </p:txBody>
+        </p:sp>
+        <p:sp>
+          <p:nvSpPr>
+            <p:cNvPr id="14" name="Rectangle 13">
+              <a:extLst>
+                <a:ext uri="{FF2B5EF4-FFF2-40B4-BE49-F238E27FC236}">
+                  <a16:creationId xmlns:a16="http://schemas.microsoft.com/office/drawing/2014/main" id="{166E38B6-B050-4340-8E8F-3A971DADC031}"/>
+                </a:ext>
+                <a:ext uri="{C183D7F6-B498-43B3-948B-1728B52AA6E4}">
+                  <adec:decorative xmlns:adec="http://schemas.microsoft.com/office/drawing/2017/decorative" val="1"/>
+                </a:ext>
+              </a:extLst>
+            </p:cNvPr>
+            <p:cNvSpPr/>
+            <p:nvPr>
+              <p:extLst>
+                <p:ext uri="{386F3935-93C4-4BCD-93E2-E3B085C9AB24}">
+                  <p16:designElem xmlns:p16="http://schemas.microsoft.com/office/powerpoint/2015/main" val="1"/>
+                </p:ext>
+              </p:extLst>
+            </p:nvPr>
+          </p:nvSpPr>
+          <p:spPr>
+            <a:xfrm rot="2700000">
+              <a:off x="301285" y="1282788"/>
+              <a:ext cx="485578" cy="485578"/>
+            </a:xfrm>
+            <a:prstGeom prst="rect">
+              <a:avLst/>
+            </a:prstGeom>
+            <a:solidFill>
+              <a:schemeClr val="accent1">
+                <a:alpha val="30000"/>
+              </a:schemeClr>
+            </a:solidFill>
+            <a:ln>
+              <a:noFill/>
+            </a:ln>
+          </p:spPr>
+          <p:style>
+            <a:lnRef idx="2">
+              <a:schemeClr val="accent1">
+                <a:shade val="50000"/>
+              </a:schemeClr>
+            </a:lnRef>
+            <a:fillRef idx="1">
+              <a:schemeClr val="accent1"/>
+            </a:fillRef>
+            <a:effectRef idx="0">
+              <a:schemeClr val="accent1"/>
+            </a:effectRef>
+            <a:fontRef idx="minor">
+              <a:schemeClr val="lt1"/>
+            </a:fontRef>
+          </p:style>
+          <p:txBody>
+            <a:bodyPr rtlCol="0" anchor="ctr"/>
+            <a:lstStyle/>
+            <a:p>
+              <a:pPr algn="ctr"/>
+              <a:endParaRPr lang="en-US"/>
+            </a:p>
+          </p:txBody>
+        </p:sp>
+      </p:grpSp>
+      <p:sp>
+        <p:nvSpPr>
+          <p:cNvPr id="16" name="Rectangle 15">
+            <a:extLst>
+              <a:ext uri="{FF2B5EF4-FFF2-40B4-BE49-F238E27FC236}">
+                <a16:creationId xmlns:a16="http://schemas.microsoft.com/office/drawing/2014/main" id="{2E80C965-DB6D-4F81-9E9E-B027384D0BD6}"/>
+              </a:ext>
+              <a:ext uri="{C183D7F6-B498-43B3-948B-1728B52AA6E4}">
+                <adec:decorative xmlns:adec="http://schemas.microsoft.com/office/drawing/2017/decorative" val="1"/>
+              </a:ext>
+            </a:extLst>
+          </p:cNvPr>
+          <p:cNvSpPr>
+            <a:spLocks noGrp="1" noRot="1" noChangeAspect="1" noMove="1" noResize="1" noEditPoints="1" noAdjustHandles="1" noChangeArrowheads="1" noChangeShapeType="1" noTextEdit="1"/>
+          </p:cNvSpPr>
+          <p:nvPr>
+            <p:extLst>
+              <p:ext uri="{386F3935-93C4-4BCD-93E2-E3B085C9AB24}">
+                <p16:designElem xmlns:p16="http://schemas.microsoft.com/office/powerpoint/2015/main" val="1"/>
+              </p:ext>
+            </p:extLst>
+          </p:nvPr>
+        </p:nvSpPr>
+        <p:spPr>
+          <a:xfrm rot="2700000">
+            <a:off x="2737196" y="6033666"/>
+            <a:ext cx="645368" cy="645368"/>
+          </a:xfrm>
+          <a:prstGeom prst="rect">
+            <a:avLst/>
+          </a:prstGeom>
+          <a:solidFill>
+            <a:schemeClr val="accent4">
+              <a:alpha val="30000"/>
+            </a:schemeClr>
+          </a:solidFill>
+          <a:ln>
+            <a:noFill/>
+          </a:ln>
+        </p:spPr>
+        <p:style>
+          <a:lnRef idx="2">
+            <a:schemeClr val="accent1">
+              <a:shade val="50000"/>
+            </a:schemeClr>
+          </a:lnRef>
+          <a:fillRef idx="1">
+            <a:schemeClr val="accent1"/>
+          </a:fillRef>
+          <a:effectRef idx="0">
+            <a:schemeClr val="accent1"/>
+          </a:effectRef>
+          <a:fontRef idx="minor">
+            <a:schemeClr val="lt1"/>
+          </a:fontRef>
+        </p:style>
+        <p:txBody>
+          <a:bodyPr rtlCol="0" anchor="ctr"/>
+          <a:lstStyle/>
+          <a:p>
+            <a:pPr algn="ctr"/>
+            <a:endParaRPr lang="en-US"/>
+          </a:p>
+        </p:txBody>
+      </p:sp>
+      <p:sp>
+        <p:nvSpPr>
+          <p:cNvPr id="18" name="Isosceles Triangle 17">
+            <a:extLst>
+              <a:ext uri="{FF2B5EF4-FFF2-40B4-BE49-F238E27FC236}">
+                <a16:creationId xmlns:a16="http://schemas.microsoft.com/office/drawing/2014/main" id="{633C5E46-DAC5-4661-9C87-22B08E2A512F}"/>
+              </a:ext>
+              <a:ext uri="{C183D7F6-B498-43B3-948B-1728B52AA6E4}">
+                <adec:decorative xmlns:adec="http://schemas.microsoft.com/office/drawing/2017/decorative" val="1"/>
+              </a:ext>
+            </a:extLst>
+          </p:cNvPr>
+          <p:cNvSpPr>
+            <a:spLocks noGrp="1" noRot="1" noChangeAspect="1" noMove="1" noResize="1" noEditPoints="1" noAdjustHandles="1" noChangeArrowheads="1" noChangeShapeType="1" noTextEdit="1"/>
+          </p:cNvSpPr>
+          <p:nvPr>
+            <p:extLst>
+              <p:ext uri="{386F3935-93C4-4BCD-93E2-E3B085C9AB24}">
+                <p16:designElem xmlns:p16="http://schemas.microsoft.com/office/powerpoint/2015/main" val="1"/>
+              </p:ext>
+            </p:extLst>
+          </p:nvPr>
+        </p:nvSpPr>
+        <p:spPr>
+          <a:xfrm>
+            <a:off x="1343436" y="5721108"/>
+            <a:ext cx="2261965" cy="1136891"/>
+          </a:xfrm>
+          <a:prstGeom prst="triangle">
+            <a:avLst>
+              <a:gd name="adj" fmla="val 50000"/>
+            </a:avLst>
+          </a:prstGeom>
+          <a:solidFill>
+            <a:schemeClr val="accent4">
+              <a:alpha val="30000"/>
+            </a:schemeClr>
+          </a:solidFill>
+          <a:ln>
+            <a:noFill/>
+          </a:ln>
+        </p:spPr>
+        <p:style>
+          <a:lnRef idx="2">
+            <a:schemeClr val="accent1">
+              <a:shade val="50000"/>
+            </a:schemeClr>
+          </a:lnRef>
+          <a:fillRef idx="1">
+            <a:schemeClr val="accent1"/>
+          </a:fillRef>
+          <a:effectRef idx="0">
+            <a:schemeClr val="accent1"/>
+          </a:effectRef>
+          <a:fontRef idx="minor">
+            <a:schemeClr val="lt1"/>
+          </a:fontRef>
+        </p:style>
+        <p:txBody>
+          <a:bodyPr rtlCol="0" anchor="ctr"/>
+          <a:lstStyle/>
+          <a:p>
+            <a:pPr algn="ctr"/>
+            <a:endParaRPr lang="en-US"/>
+          </a:p>
+        </p:txBody>
+      </p:sp>
+      <p:pic>
+        <p:nvPicPr>
+          <p:cNvPr id="5" name="Content Placeholder 4" descr="A screenshot of a computer&#10;&#10;Description automatically generated">
+            <a:extLst>
+              <a:ext uri="{FF2B5EF4-FFF2-40B4-BE49-F238E27FC236}">
+                <a16:creationId xmlns:a16="http://schemas.microsoft.com/office/drawing/2014/main" id="{C74D7F4F-68EF-0A51-7E7D-9D5AC219577C}"/>
+              </a:ext>
+            </a:extLst>
+          </p:cNvPr>
+          <p:cNvPicPr>
+            <a:picLocks noGrp="1" noChangeAspect="1"/>
+          </p:cNvPicPr>
+          <p:nvPr>
+            <p:ph idx="1"/>
+          </p:nvPr>
+        </p:nvPicPr>
+        <p:blipFill>
+          <a:blip r:embed="rId2">
+            <a:extLst>
+              <a:ext uri="{28A0092B-C50C-407E-A947-70E740481C1C}">
+                <a14:useLocalDpi xmlns:a14="http://schemas.microsoft.com/office/drawing/2010/main" val="0"/>
+              </a:ext>
+            </a:extLst>
+          </a:blip>
+          <a:stretch>
+            <a:fillRect/>
+          </a:stretch>
+        </p:blipFill>
+        <p:spPr>
+          <a:xfrm>
+            <a:off x="643467" y="636104"/>
+            <a:ext cx="10905066" cy="5137483"/>
+          </a:xfrm>
+          <a:prstGeom prst="rect">
+            <a:avLst/>
+          </a:prstGeom>
+          <a:ln>
+            <a:noFill/>
+          </a:ln>
+        </p:spPr>
+      </p:pic>
+    </p:spTree>
+    <p:extLst>
+      <p:ext uri="{BB962C8B-B14F-4D97-AF65-F5344CB8AC3E}">
+        <p14:creationId xmlns:p14="http://schemas.microsoft.com/office/powerpoint/2010/main" val="764569397"/>
+      </p:ext>
+    </p:extLst>
+  </p:cSld>
+  <p:clrMapOvr>
+    <a:masterClrMapping/>
+  </p:clrMapOvr>
+</p:sld>
+</file>
+
+<file path=ppt/slides/slide12.xml><?xml version="1.0" encoding="utf-8"?>
+<p:sld xmlns:a="http://schemas.openxmlformats.org/drawingml/2006/main" xmlns:r="http://schemas.openxmlformats.org/officeDocument/2006/relationships" xmlns:p="http://schemas.openxmlformats.org/presentationml/2006/main">
+  <p:cSld>
+    <p:bg>
+      <p:bgPr>
+        <a:solidFill>
+          <a:schemeClr val="bg1"/>
+        </a:solidFill>
+        <a:effectLst/>
+      </p:bgPr>
+    </p:bg>
+    <p:spTree>
+      <p:nvGrpSpPr>
+        <p:cNvPr id="1" name=""/>
+        <p:cNvGrpSpPr/>
+        <p:nvPr/>
+      </p:nvGrpSpPr>
+      <p:grpSpPr>
+        <a:xfrm>
+          <a:off x="0" y="0"/>
+          <a:ext cx="0" cy="0"/>
+          <a:chOff x="0" y="0"/>
+          <a:chExt cx="0" cy="0"/>
+        </a:xfrm>
+      </p:grpSpPr>
+      <p:sp>
+        <p:nvSpPr>
+          <p:cNvPr id="16" name="Rectangle 15">
+            <a:extLst>
+              <a:ext uri="{FF2B5EF4-FFF2-40B4-BE49-F238E27FC236}">
+                <a16:creationId xmlns:a16="http://schemas.microsoft.com/office/drawing/2014/main" id="{9228552E-C8B1-4A80-8448-0787CE0FC704}"/>
+              </a:ext>
+              <a:ext uri="{C183D7F6-B498-43B3-948B-1728B52AA6E4}">
+                <adec:decorative xmlns:adec="http://schemas.microsoft.com/office/drawing/2017/decorative" val="1"/>
+              </a:ext>
+            </a:extLst>
+          </p:cNvPr>
+          <p:cNvSpPr>
+            <a:spLocks noGrp="1" noRot="1" noChangeAspect="1" noMove="1" noResize="1" noEditPoints="1" noAdjustHandles="1" noChangeArrowheads="1" noChangeShapeType="1" noTextEdit="1"/>
+          </p:cNvSpPr>
+          <p:nvPr>
+            <p:extLst>
+              <p:ext uri="{386F3935-93C4-4BCD-93E2-E3B085C9AB24}">
+                <p16:designElem xmlns:p16="http://schemas.microsoft.com/office/powerpoint/2015/main" val="1"/>
+              </p:ext>
+            </p:extLst>
+          </p:nvPr>
+        </p:nvSpPr>
+        <p:spPr>
+          <a:xfrm>
+            <a:off x="0" y="0"/>
+            <a:ext cx="12192000" cy="6858000"/>
+          </a:xfrm>
+          <a:prstGeom prst="rect">
+            <a:avLst/>
+          </a:prstGeom>
+          <a:solidFill>
+            <a:srgbClr val="000000"/>
+          </a:solidFill>
+          <a:ln>
+            <a:noFill/>
+          </a:ln>
+        </p:spPr>
+        <p:style>
+          <a:lnRef idx="2">
+            <a:schemeClr val="accent1">
+              <a:shade val="50000"/>
+            </a:schemeClr>
+          </a:lnRef>
+          <a:fillRef idx="1">
+            <a:schemeClr val="accent1"/>
+          </a:fillRef>
+          <a:effectRef idx="0">
+            <a:schemeClr val="accent1"/>
+          </a:effectRef>
+          <a:fontRef idx="minor">
+            <a:schemeClr val="lt1"/>
+          </a:fontRef>
+        </p:style>
+        <p:txBody>
+          <a:bodyPr rtlCol="0" anchor="ctr"/>
+          <a:lstStyle/>
+          <a:p>
+            <a:pPr algn="ctr"/>
+            <a:endParaRPr lang="en-US"/>
+          </a:p>
+        </p:txBody>
+      </p:sp>
+      <p:pic>
+        <p:nvPicPr>
+          <p:cNvPr id="7" name="Picture 6" descr="Close-up of a blue surface&#10;&#10;Description automatically generated">
+            <a:extLst>
+              <a:ext uri="{FF2B5EF4-FFF2-40B4-BE49-F238E27FC236}">
+                <a16:creationId xmlns:a16="http://schemas.microsoft.com/office/drawing/2014/main" id="{C1A8DC81-C99E-7F97-568E-8CC548CFFB91}"/>
+              </a:ext>
+            </a:extLst>
+          </p:cNvPr>
+          <p:cNvPicPr>
+            <a:picLocks noChangeAspect="1"/>
+          </p:cNvPicPr>
+          <p:nvPr/>
+        </p:nvPicPr>
+        <p:blipFill rotWithShape="1">
+          <a:blip r:embed="rId2">
+            <a:alphaModFix amt="35000"/>
+          </a:blip>
+          <a:srcRect t="25000"/>
+          <a:stretch/>
+        </p:blipFill>
+        <p:spPr>
+          <a:xfrm>
+            <a:off x="20" y="10"/>
+            <a:ext cx="12191980" cy="6857990"/>
+          </a:xfrm>
+          <a:prstGeom prst="rect">
+            <a:avLst/>
+          </a:prstGeom>
+        </p:spPr>
+      </p:pic>
+      <p:sp>
+        <p:nvSpPr>
+          <p:cNvPr id="2" name="Title 1">
+            <a:extLst>
+              <a:ext uri="{FF2B5EF4-FFF2-40B4-BE49-F238E27FC236}">
+                <a16:creationId xmlns:a16="http://schemas.microsoft.com/office/drawing/2014/main" id="{2661506A-DF5A-1AE3-2CC3-BFB2A6F28192}"/>
+              </a:ext>
+            </a:extLst>
+          </p:cNvPr>
+          <p:cNvSpPr>
+            <a:spLocks noGrp="1"/>
+          </p:cNvSpPr>
+          <p:nvPr>
+            <p:ph type="title"/>
+          </p:nvPr>
+        </p:nvSpPr>
+        <p:spPr>
+          <a:xfrm>
+            <a:off x="838200" y="365125"/>
+            <a:ext cx="10515600" cy="1325563"/>
+          </a:xfrm>
+        </p:spPr>
+        <p:txBody>
+          <a:bodyPr>
+            <a:normAutofit/>
+          </a:bodyPr>
+          <a:lstStyle/>
+          <a:p>
+            <a:r>
+              <a:rPr lang="en-US">
+                <a:solidFill>
+                  <a:srgbClr val="FFFFFF"/>
+                </a:solidFill>
+                <a:cs typeface="Calibri Light"/>
+              </a:rPr>
+              <a:t>Tietoturva</a:t>
+            </a:r>
+            <a:endParaRPr lang="en-US">
+              <a:solidFill>
+                <a:srgbClr val="FFFFFF"/>
+              </a:solidFill>
+            </a:endParaRPr>
+          </a:p>
+        </p:txBody>
+      </p:sp>
+      <p:graphicFrame>
+        <p:nvGraphicFramePr>
+          <p:cNvPr id="5" name="Content Placeholder 2">
+            <a:extLst>
+              <a:ext uri="{FF2B5EF4-FFF2-40B4-BE49-F238E27FC236}">
+                <a16:creationId xmlns:a16="http://schemas.microsoft.com/office/drawing/2014/main" id="{7491AB46-88EC-F32C-A152-4578136AC1C7}"/>
+              </a:ext>
+            </a:extLst>
+          </p:cNvPr>
+          <p:cNvGraphicFramePr>
+            <a:graphicFrameLocks noGrp="1"/>
+          </p:cNvGraphicFramePr>
+          <p:nvPr>
+            <p:ph idx="1"/>
+            <p:extLst>
+              <p:ext uri="{D42A27DB-BD31-4B8C-83A1-F6EECF244321}">
+                <p14:modId xmlns:p14="http://schemas.microsoft.com/office/powerpoint/2010/main" val="3419514887"/>
+              </p:ext>
+            </p:extLst>
+          </p:nvPr>
+        </p:nvGraphicFramePr>
+        <p:xfrm>
+          <a:off x="838200" y="1825625"/>
+          <a:ext cx="10515600" cy="4351338"/>
+        </p:xfrm>
+        <a:graphic>
+          <a:graphicData uri="http://schemas.openxmlformats.org/drawingml/2006/diagram">
+            <dgm:relIds xmlns:dgm="http://schemas.openxmlformats.org/drawingml/2006/diagram" xmlns:r="http://schemas.openxmlformats.org/officeDocument/2006/relationships" r:dm="rId3" r:lo="rId4" r:qs="rId5" r:cs="rId6"/>
+          </a:graphicData>
+        </a:graphic>
+      </p:graphicFrame>
+    </p:spTree>
+    <p:extLst>
+      <p:ext uri="{BB962C8B-B14F-4D97-AF65-F5344CB8AC3E}">
+        <p14:creationId xmlns:p14="http://schemas.microsoft.com/office/powerpoint/2010/main" val="903075772"/>
+      </p:ext>
+    </p:extLst>
+  </p:cSld>
+  <p:clrMapOvr>
+    <a:overrideClrMapping bg1="dk1" tx1="lt1" bg2="dk2" tx2="lt2" accent1="accent1" accent2="accent2" accent3="accent3" accent4="accent4" accent5="accent5" accent6="accent6" hlink="hlink" folHlink="folHlink"/>
+  </p:clrMapOvr>
+</p:sld>
+</file>
+
+<file path=ppt/slides/slide13.xml><?xml version="1.0" encoding="utf-8"?>
+<p:sld xmlns:a="http://schemas.openxmlformats.org/drawingml/2006/main" xmlns:r="http://schemas.openxmlformats.org/officeDocument/2006/relationships" xmlns:p="http://schemas.openxmlformats.org/presentationml/2006/main">
+  <p:cSld>
+    <p:bg>
+      <p:bgPr>
+        <a:solidFill>
+          <a:schemeClr val="bg1"/>
+        </a:solidFill>
+        <a:effectLst/>
+      </p:bgPr>
+    </p:bg>
+    <p:spTree>
+      <p:nvGrpSpPr>
+        <p:cNvPr id="1" name=""/>
+        <p:cNvGrpSpPr/>
+        <p:nvPr/>
+      </p:nvGrpSpPr>
+      <p:grpSpPr>
+        <a:xfrm>
+          <a:off x="0" y="0"/>
+          <a:ext cx="0" cy="0"/>
+          <a:chOff x="0" y="0"/>
+          <a:chExt cx="0" cy="0"/>
+        </a:xfrm>
+      </p:grpSpPr>
+      <p:sp>
+        <p:nvSpPr>
           <p:cNvPr id="2" name="Title 1">
             <a:extLst>
               <a:ext uri="{FF2B5EF4-FFF2-40B4-BE49-F238E27FC236}">
@@ -21502,6 +22824,634 @@
       </p:grpSpPr>
       <p:sp>
         <p:nvSpPr>
+          <p:cNvPr id="10" name="Rectangle 9">
+            <a:extLst>
+              <a:ext uri="{FF2B5EF4-FFF2-40B4-BE49-F238E27FC236}">
+                <a16:creationId xmlns:a16="http://schemas.microsoft.com/office/drawing/2014/main" id="{F3060C83-F051-4F0E-ABAD-AA0DFC48B218}"/>
+              </a:ext>
+              <a:ext uri="{C183D7F6-B498-43B3-948B-1728B52AA6E4}">
+                <adec:decorative xmlns:adec="http://schemas.microsoft.com/office/drawing/2017/decorative" val="1"/>
+              </a:ext>
+            </a:extLst>
+          </p:cNvPr>
+          <p:cNvSpPr>
+            <a:spLocks noGrp="1" noRot="1" noChangeAspect="1" noMove="1" noResize="1" noEditPoints="1" noAdjustHandles="1" noChangeArrowheads="1" noChangeShapeType="1" noTextEdit="1"/>
+          </p:cNvSpPr>
+          <p:nvPr>
+            <p:extLst>
+              <p:ext uri="{386F3935-93C4-4BCD-93E2-E3B085C9AB24}">
+                <p16:designElem xmlns:p16="http://schemas.microsoft.com/office/powerpoint/2015/main" val="1"/>
+              </p:ext>
+            </p:extLst>
+          </p:nvPr>
+        </p:nvSpPr>
+        <p:spPr>
+          <a:xfrm>
+            <a:off x="0" y="0"/>
+            <a:ext cx="12192000" cy="6858000"/>
+          </a:xfrm>
+          <a:prstGeom prst="rect">
+            <a:avLst/>
+          </a:prstGeom>
+          <a:solidFill>
+            <a:schemeClr val="bg1"/>
+          </a:solidFill>
+          <a:ln>
+            <a:noFill/>
+          </a:ln>
+        </p:spPr>
+        <p:style>
+          <a:lnRef idx="2">
+            <a:schemeClr val="accent1">
+              <a:shade val="50000"/>
+            </a:schemeClr>
+          </a:lnRef>
+          <a:fillRef idx="1">
+            <a:schemeClr val="accent1"/>
+          </a:fillRef>
+          <a:effectRef idx="0">
+            <a:schemeClr val="accent1"/>
+          </a:effectRef>
+          <a:fontRef idx="minor">
+            <a:schemeClr val="lt1"/>
+          </a:fontRef>
+        </p:style>
+        <p:txBody>
+          <a:bodyPr rtlCol="0" anchor="ctr"/>
+          <a:lstStyle/>
+          <a:p>
+            <a:pPr algn="ctr"/>
+            <a:endParaRPr lang="en-US" dirty="0"/>
+          </a:p>
+        </p:txBody>
+      </p:sp>
+      <p:sp>
+        <p:nvSpPr>
+          <p:cNvPr id="12" name="Freeform: Shape 11">
+            <a:extLst>
+              <a:ext uri="{FF2B5EF4-FFF2-40B4-BE49-F238E27FC236}">
+                <a16:creationId xmlns:a16="http://schemas.microsoft.com/office/drawing/2014/main" id="{83C98ABE-055B-441F-B07E-44F97F083C39}"/>
+              </a:ext>
+              <a:ext uri="{C183D7F6-B498-43B3-948B-1728B52AA6E4}">
+                <adec:decorative xmlns:adec="http://schemas.microsoft.com/office/drawing/2017/decorative" val="1"/>
+              </a:ext>
+            </a:extLst>
+          </p:cNvPr>
+          <p:cNvSpPr>
+            <a:spLocks noGrp="1" noRot="1" noChangeAspect="1" noMove="1" noResize="1" noEditPoints="1" noAdjustHandles="1" noChangeArrowheads="1" noChangeShapeType="1" noTextEdit="1"/>
+          </p:cNvSpPr>
+          <p:nvPr>
+            <p:extLst>
+              <p:ext uri="{386F3935-93C4-4BCD-93E2-E3B085C9AB24}">
+                <p16:designElem xmlns:p16="http://schemas.microsoft.com/office/powerpoint/2015/main" val="1"/>
+              </p:ext>
+            </p:extLst>
+          </p:nvPr>
+        </p:nvSpPr>
+        <p:spPr>
+          <a:xfrm rot="18900000" flipH="1">
+            <a:off x="-376156" y="-253670"/>
+            <a:ext cx="1827638" cy="1376989"/>
+          </a:xfrm>
+          <a:custGeom>
+            <a:avLst/>
+            <a:gdLst>
+              <a:gd name="connsiteX0" fmla="*/ 0 w 1827638"/>
+              <a:gd name="connsiteY0" fmla="*/ 987379 h 1376989"/>
+              <a:gd name="connsiteX1" fmla="*/ 987379 w 1827638"/>
+              <a:gd name="connsiteY1" fmla="*/ 0 h 1376989"/>
+              <a:gd name="connsiteX2" fmla="*/ 1827638 w 1827638"/>
+              <a:gd name="connsiteY2" fmla="*/ 840260 h 1376989"/>
+              <a:gd name="connsiteX3" fmla="*/ 1827638 w 1827638"/>
+              <a:gd name="connsiteY3" fmla="*/ 1376989 h 1376989"/>
+              <a:gd name="connsiteX4" fmla="*/ 0 w 1827638"/>
+              <a:gd name="connsiteY4" fmla="*/ 1376989 h 1376989"/>
+            </a:gdLst>
+            <a:ahLst/>
+            <a:cxnLst>
+              <a:cxn ang="0">
+                <a:pos x="connsiteX0" y="connsiteY0"/>
+              </a:cxn>
+              <a:cxn ang="0">
+                <a:pos x="connsiteX1" y="connsiteY1"/>
+              </a:cxn>
+              <a:cxn ang="0">
+                <a:pos x="connsiteX2" y="connsiteY2"/>
+              </a:cxn>
+              <a:cxn ang="0">
+                <a:pos x="connsiteX3" y="connsiteY3"/>
+              </a:cxn>
+              <a:cxn ang="0">
+                <a:pos x="connsiteX4" y="connsiteY4"/>
+              </a:cxn>
+            </a:cxnLst>
+            <a:rect l="l" t="t" r="r" b="b"/>
+            <a:pathLst>
+              <a:path w="1827638" h="1376989">
+                <a:moveTo>
+                  <a:pt x="0" y="987379"/>
+                </a:moveTo>
+                <a:lnTo>
+                  <a:pt x="987379" y="0"/>
+                </a:lnTo>
+                <a:lnTo>
+                  <a:pt x="1827638" y="840260"/>
+                </a:lnTo>
+                <a:lnTo>
+                  <a:pt x="1827638" y="1376989"/>
+                </a:lnTo>
+                <a:lnTo>
+                  <a:pt x="0" y="1376989"/>
+                </a:lnTo>
+                <a:close/>
+              </a:path>
+            </a:pathLst>
+          </a:custGeom>
+          <a:solidFill>
+            <a:schemeClr val="accent1">
+              <a:alpha val="30000"/>
+            </a:schemeClr>
+          </a:solidFill>
+          <a:ln>
+            <a:noFill/>
+          </a:ln>
+        </p:spPr>
+        <p:style>
+          <a:lnRef idx="2">
+            <a:schemeClr val="accent1">
+              <a:shade val="50000"/>
+            </a:schemeClr>
+          </a:lnRef>
+          <a:fillRef idx="1">
+            <a:schemeClr val="accent1"/>
+          </a:fillRef>
+          <a:effectRef idx="0">
+            <a:schemeClr val="accent1"/>
+          </a:effectRef>
+          <a:fontRef idx="minor">
+            <a:schemeClr val="lt1"/>
+          </a:fontRef>
+        </p:style>
+        <p:txBody>
+          <a:bodyPr rtlCol="0" anchor="ctr"/>
+          <a:lstStyle/>
+          <a:p>
+            <a:pPr algn="ctr"/>
+            <a:endParaRPr lang="en-US" dirty="0"/>
+          </a:p>
+        </p:txBody>
+      </p:sp>
+      <p:sp>
+        <p:nvSpPr>
+          <p:cNvPr id="14" name="Rectangle 13">
+            <a:extLst>
+              <a:ext uri="{FF2B5EF4-FFF2-40B4-BE49-F238E27FC236}">
+                <a16:creationId xmlns:a16="http://schemas.microsoft.com/office/drawing/2014/main" id="{29FDB030-9B49-4CED-8CCD-4D99382388AC}"/>
+              </a:ext>
+              <a:ext uri="{C183D7F6-B498-43B3-948B-1728B52AA6E4}">
+                <adec:decorative xmlns:adec="http://schemas.microsoft.com/office/drawing/2017/decorative" val="1"/>
+              </a:ext>
+            </a:extLst>
+          </p:cNvPr>
+          <p:cNvSpPr>
+            <a:spLocks noGrp="1" noRot="1" noChangeAspect="1" noMove="1" noResize="1" noEditPoints="1" noAdjustHandles="1" noChangeArrowheads="1" noChangeShapeType="1" noTextEdit="1"/>
+          </p:cNvSpPr>
+          <p:nvPr>
+            <p:extLst>
+              <p:ext uri="{386F3935-93C4-4BCD-93E2-E3B085C9AB24}">
+                <p16:designElem xmlns:p16="http://schemas.microsoft.com/office/powerpoint/2015/main" val="1"/>
+              </p:ext>
+            </p:extLst>
+          </p:nvPr>
+        </p:nvSpPr>
+        <p:spPr>
+          <a:xfrm rot="18900000" flipH="1">
+            <a:off x="891641" y="422146"/>
+            <a:ext cx="645368" cy="645368"/>
+          </a:xfrm>
+          <a:prstGeom prst="rect">
+            <a:avLst/>
+          </a:prstGeom>
+          <a:solidFill>
+            <a:schemeClr val="accent1">
+              <a:alpha val="30000"/>
+            </a:schemeClr>
+          </a:solidFill>
+          <a:ln>
+            <a:noFill/>
+          </a:ln>
+        </p:spPr>
+        <p:style>
+          <a:lnRef idx="2">
+            <a:schemeClr val="accent1">
+              <a:shade val="50000"/>
+            </a:schemeClr>
+          </a:lnRef>
+          <a:fillRef idx="1">
+            <a:schemeClr val="accent1"/>
+          </a:fillRef>
+          <a:effectRef idx="0">
+            <a:schemeClr val="accent1"/>
+          </a:effectRef>
+          <a:fontRef idx="minor">
+            <a:schemeClr val="lt1"/>
+          </a:fontRef>
+        </p:style>
+        <p:txBody>
+          <a:bodyPr rtlCol="0" anchor="ctr"/>
+          <a:lstStyle/>
+          <a:p>
+            <a:pPr algn="ctr"/>
+            <a:endParaRPr lang="en-US"/>
+          </a:p>
+        </p:txBody>
+      </p:sp>
+      <p:sp>
+        <p:nvSpPr>
+          <p:cNvPr id="16" name="Rectangle 15">
+            <a:extLst>
+              <a:ext uri="{FF2B5EF4-FFF2-40B4-BE49-F238E27FC236}">
+                <a16:creationId xmlns:a16="http://schemas.microsoft.com/office/drawing/2014/main" id="{3783CA14-24A1-485C-8B30-D6A5D87987AD}"/>
+              </a:ext>
+              <a:ext uri="{C183D7F6-B498-43B3-948B-1728B52AA6E4}">
+                <adec:decorative xmlns:adec="http://schemas.microsoft.com/office/drawing/2017/decorative" val="1"/>
+              </a:ext>
+            </a:extLst>
+          </p:cNvPr>
+          <p:cNvSpPr>
+            <a:spLocks noGrp="1" noRot="1" noChangeAspect="1" noMove="1" noResize="1" noEditPoints="1" noAdjustHandles="1" noChangeArrowheads="1" noChangeShapeType="1" noTextEdit="1"/>
+          </p:cNvSpPr>
+          <p:nvPr>
+            <p:extLst>
+              <p:ext uri="{386F3935-93C4-4BCD-93E2-E3B085C9AB24}">
+                <p16:designElem xmlns:p16="http://schemas.microsoft.com/office/powerpoint/2015/main" val="1"/>
+              </p:ext>
+            </p:extLst>
+          </p:nvPr>
+        </p:nvSpPr>
+        <p:spPr>
+          <a:xfrm rot="18900000" flipH="1">
+            <a:off x="10043482" y="655140"/>
+            <a:ext cx="687472" cy="687472"/>
+          </a:xfrm>
+          <a:prstGeom prst="rect">
+            <a:avLst/>
+          </a:prstGeom>
+          <a:solidFill>
+            <a:schemeClr val="accent4">
+              <a:alpha val="30000"/>
+            </a:schemeClr>
+          </a:solidFill>
+          <a:ln>
+            <a:noFill/>
+          </a:ln>
+        </p:spPr>
+        <p:style>
+          <a:lnRef idx="2">
+            <a:schemeClr val="accent1">
+              <a:shade val="50000"/>
+            </a:schemeClr>
+          </a:lnRef>
+          <a:fillRef idx="1">
+            <a:schemeClr val="accent1"/>
+          </a:fillRef>
+          <a:effectRef idx="0">
+            <a:schemeClr val="accent1"/>
+          </a:effectRef>
+          <a:fontRef idx="minor">
+            <a:schemeClr val="lt1"/>
+          </a:fontRef>
+        </p:style>
+        <p:txBody>
+          <a:bodyPr rtlCol="0" anchor="ctr"/>
+          <a:lstStyle/>
+          <a:p>
+            <a:pPr algn="ctr"/>
+            <a:endParaRPr lang="en-US"/>
+          </a:p>
+        </p:txBody>
+      </p:sp>
+      <p:sp>
+        <p:nvSpPr>
+          <p:cNvPr id="18" name="Freeform: Shape 17">
+            <a:extLst>
+              <a:ext uri="{FF2B5EF4-FFF2-40B4-BE49-F238E27FC236}">
+                <a16:creationId xmlns:a16="http://schemas.microsoft.com/office/drawing/2014/main" id="{9A97C86A-04D6-40F7-AE84-31AB43E6A846}"/>
+              </a:ext>
+              <a:ext uri="{C183D7F6-B498-43B3-948B-1728B52AA6E4}">
+                <adec:decorative xmlns:adec="http://schemas.microsoft.com/office/drawing/2017/decorative" val="1"/>
+              </a:ext>
+            </a:extLst>
+          </p:cNvPr>
+          <p:cNvSpPr>
+            <a:spLocks noGrp="1" noRot="1" noChangeAspect="1" noMove="1" noResize="1" noEditPoints="1" noAdjustHandles="1" noChangeArrowheads="1" noChangeShapeType="1" noTextEdit="1"/>
+          </p:cNvSpPr>
+          <p:nvPr>
+            <p:extLst>
+              <p:ext uri="{386F3935-93C4-4BCD-93E2-E3B085C9AB24}">
+                <p16:designElem xmlns:p16="http://schemas.microsoft.com/office/powerpoint/2015/main" val="1"/>
+              </p:ext>
+            </p:extLst>
+          </p:nvPr>
+        </p:nvSpPr>
+        <p:spPr>
+          <a:xfrm rot="10800000" flipH="1">
+            <a:off x="9356643" y="0"/>
+            <a:ext cx="2835357" cy="1480837"/>
+          </a:xfrm>
+          <a:custGeom>
+            <a:avLst/>
+            <a:gdLst>
+              <a:gd name="connsiteX0" fmla="*/ 2835357 w 2835357"/>
+              <a:gd name="connsiteY0" fmla="*/ 1480837 h 1480837"/>
+              <a:gd name="connsiteX1" fmla="*/ 0 w 2835357"/>
+              <a:gd name="connsiteY1" fmla="*/ 1480837 h 1480837"/>
+              <a:gd name="connsiteX2" fmla="*/ 1552727 w 2835357"/>
+              <a:gd name="connsiteY2" fmla="*/ 0 h 1480837"/>
+              <a:gd name="connsiteX3" fmla="*/ 2835357 w 2835357"/>
+              <a:gd name="connsiteY3" fmla="*/ 1223245 h 1480837"/>
+            </a:gdLst>
+            <a:ahLst/>
+            <a:cxnLst>
+              <a:cxn ang="0">
+                <a:pos x="connsiteX0" y="connsiteY0"/>
+              </a:cxn>
+              <a:cxn ang="0">
+                <a:pos x="connsiteX1" y="connsiteY1"/>
+              </a:cxn>
+              <a:cxn ang="0">
+                <a:pos x="connsiteX2" y="connsiteY2"/>
+              </a:cxn>
+              <a:cxn ang="0">
+                <a:pos x="connsiteX3" y="connsiteY3"/>
+              </a:cxn>
+            </a:cxnLst>
+            <a:rect l="l" t="t" r="r" b="b"/>
+            <a:pathLst>
+              <a:path w="2835357" h="1480837">
+                <a:moveTo>
+                  <a:pt x="2835357" y="1480837"/>
+                </a:moveTo>
+                <a:lnTo>
+                  <a:pt x="0" y="1480837"/>
+                </a:lnTo>
+                <a:lnTo>
+                  <a:pt x="1552727" y="0"/>
+                </a:lnTo>
+                <a:lnTo>
+                  <a:pt x="2835357" y="1223245"/>
+                </a:lnTo>
+                <a:close/>
+              </a:path>
+            </a:pathLst>
+          </a:custGeom>
+          <a:solidFill>
+            <a:schemeClr val="accent4">
+              <a:alpha val="30000"/>
+            </a:schemeClr>
+          </a:solidFill>
+          <a:ln>
+            <a:noFill/>
+          </a:ln>
+        </p:spPr>
+        <p:style>
+          <a:lnRef idx="2">
+            <a:schemeClr val="accent1">
+              <a:shade val="50000"/>
+            </a:schemeClr>
+          </a:lnRef>
+          <a:fillRef idx="1">
+            <a:schemeClr val="accent1"/>
+          </a:fillRef>
+          <a:effectRef idx="0">
+            <a:schemeClr val="accent1"/>
+          </a:effectRef>
+          <a:fontRef idx="minor">
+            <a:schemeClr val="lt1"/>
+          </a:fontRef>
+        </p:style>
+        <p:txBody>
+          <a:bodyPr wrap="square" rtlCol="0" anchor="ctr">
+            <a:noAutofit/>
+          </a:bodyPr>
+          <a:lstStyle/>
+          <a:p>
+            <a:pPr algn="ctr"/>
+            <a:endParaRPr lang="en-US" dirty="0"/>
+          </a:p>
+        </p:txBody>
+      </p:sp>
+      <p:sp>
+        <p:nvSpPr>
+          <p:cNvPr id="20" name="Isosceles Triangle 19">
+            <a:extLst>
+              <a:ext uri="{FF2B5EF4-FFF2-40B4-BE49-F238E27FC236}">
+                <a16:creationId xmlns:a16="http://schemas.microsoft.com/office/drawing/2014/main" id="{FF9F2414-84E8-453E-B1F3-389FDE8192D9}"/>
+              </a:ext>
+              <a:ext uri="{C183D7F6-B498-43B3-948B-1728B52AA6E4}">
+                <adec:decorative xmlns:adec="http://schemas.microsoft.com/office/drawing/2017/decorative" val="1"/>
+              </a:ext>
+            </a:extLst>
+          </p:cNvPr>
+          <p:cNvSpPr>
+            <a:spLocks noGrp="1" noRot="1" noChangeAspect="1" noMove="1" noResize="1" noEditPoints="1" noAdjustHandles="1" noChangeArrowheads="1" noChangeShapeType="1" noTextEdit="1"/>
+          </p:cNvSpPr>
+          <p:nvPr>
+            <p:extLst>
+              <p:ext uri="{386F3935-93C4-4BCD-93E2-E3B085C9AB24}">
+                <p16:designElem xmlns:p16="http://schemas.microsoft.com/office/powerpoint/2015/main" val="1"/>
+              </p:ext>
+            </p:extLst>
+          </p:nvPr>
+        </p:nvSpPr>
+        <p:spPr>
+          <a:xfrm flipH="1">
+            <a:off x="7976344" y="6115501"/>
+            <a:ext cx="1494513" cy="742499"/>
+          </a:xfrm>
+          <a:prstGeom prst="triangle">
+            <a:avLst/>
+          </a:prstGeom>
+          <a:solidFill>
+            <a:schemeClr val="accent1">
+              <a:alpha val="30000"/>
+            </a:schemeClr>
+          </a:solidFill>
+          <a:ln>
+            <a:noFill/>
+          </a:ln>
+        </p:spPr>
+        <p:style>
+          <a:lnRef idx="2">
+            <a:schemeClr val="accent1">
+              <a:shade val="50000"/>
+            </a:schemeClr>
+          </a:lnRef>
+          <a:fillRef idx="1">
+            <a:schemeClr val="accent1"/>
+          </a:fillRef>
+          <a:effectRef idx="0">
+            <a:schemeClr val="accent1"/>
+          </a:effectRef>
+          <a:fontRef idx="minor">
+            <a:schemeClr val="lt1"/>
+          </a:fontRef>
+        </p:style>
+        <p:txBody>
+          <a:bodyPr rtlCol="0" anchor="ctr"/>
+          <a:lstStyle/>
+          <a:p>
+            <a:pPr algn="ctr"/>
+            <a:endParaRPr lang="en-US"/>
+          </a:p>
+        </p:txBody>
+      </p:sp>
+      <p:pic>
+        <p:nvPicPr>
+          <p:cNvPr id="5" name="Content Placeholder 4" descr="A screenshot of a computer&#10;&#10;Description automatically generated">
+            <a:extLst>
+              <a:ext uri="{FF2B5EF4-FFF2-40B4-BE49-F238E27FC236}">
+                <a16:creationId xmlns:a16="http://schemas.microsoft.com/office/drawing/2014/main" id="{E6C40885-D413-20FF-02FA-2D9E8D1511D9}"/>
+              </a:ext>
+            </a:extLst>
+          </p:cNvPr>
+          <p:cNvPicPr>
+            <a:picLocks noGrp="1" noChangeAspect="1"/>
+          </p:cNvPicPr>
+          <p:nvPr>
+            <p:ph idx="1"/>
+          </p:nvPr>
+        </p:nvPicPr>
+        <p:blipFill>
+          <a:blip r:embed="rId2">
+            <a:extLst>
+              <a:ext uri="{28A0092B-C50C-407E-A947-70E740481C1C}">
+                <a14:useLocalDpi xmlns:a14="http://schemas.microsoft.com/office/drawing/2010/main" val="0"/>
+              </a:ext>
+            </a:extLst>
+          </a:blip>
+          <a:stretch>
+            <a:fillRect/>
+          </a:stretch>
+        </p:blipFill>
+        <p:spPr>
+          <a:xfrm>
+            <a:off x="790225" y="643467"/>
+            <a:ext cx="10611550" cy="5571065"/>
+          </a:xfrm>
+          <a:prstGeom prst="rect">
+            <a:avLst/>
+          </a:prstGeom>
+          <a:ln>
+            <a:noFill/>
+          </a:ln>
+        </p:spPr>
+      </p:pic>
+      <p:sp>
+        <p:nvSpPr>
+          <p:cNvPr id="22" name="Isosceles Triangle 21">
+            <a:extLst>
+              <a:ext uri="{FF2B5EF4-FFF2-40B4-BE49-F238E27FC236}">
+                <a16:creationId xmlns:a16="http://schemas.microsoft.com/office/drawing/2014/main" id="{3ECA69A1-7536-43AC-85EF-C7106179F5ED}"/>
+              </a:ext>
+              <a:ext uri="{C183D7F6-B498-43B3-948B-1728B52AA6E4}">
+                <adec:decorative xmlns:adec="http://schemas.microsoft.com/office/drawing/2017/decorative" val="1"/>
+              </a:ext>
+            </a:extLst>
+          </p:cNvPr>
+          <p:cNvSpPr>
+            <a:spLocks noGrp="1" noRot="1" noChangeAspect="1" noMove="1" noResize="1" noEditPoints="1" noAdjustHandles="1" noChangeArrowheads="1" noChangeShapeType="1" noTextEdit="1"/>
+          </p:cNvSpPr>
+          <p:nvPr>
+            <p:extLst>
+              <p:ext uri="{386F3935-93C4-4BCD-93E2-E3B085C9AB24}">
+                <p16:designElem xmlns:p16="http://schemas.microsoft.com/office/powerpoint/2015/main" val="1"/>
+              </p:ext>
+            </p:extLst>
+          </p:nvPr>
+        </p:nvSpPr>
+        <p:spPr>
+          <a:xfrm flipH="1">
+            <a:off x="7604080" y="6453143"/>
+            <a:ext cx="814903" cy="404857"/>
+          </a:xfrm>
+          <a:prstGeom prst="triangle">
+            <a:avLst/>
+          </a:prstGeom>
+          <a:solidFill>
+            <a:schemeClr val="accent1">
+              <a:alpha val="30000"/>
+            </a:schemeClr>
+          </a:solidFill>
+          <a:ln>
+            <a:noFill/>
+          </a:ln>
+        </p:spPr>
+        <p:style>
+          <a:lnRef idx="2">
+            <a:schemeClr val="accent1">
+              <a:shade val="50000"/>
+            </a:schemeClr>
+          </a:lnRef>
+          <a:fillRef idx="1">
+            <a:schemeClr val="accent1"/>
+          </a:fillRef>
+          <a:effectRef idx="0">
+            <a:schemeClr val="accent1"/>
+          </a:effectRef>
+          <a:fontRef idx="minor">
+            <a:schemeClr val="lt1"/>
+          </a:fontRef>
+        </p:style>
+        <p:txBody>
+          <a:bodyPr rtlCol="0" anchor="ctr"/>
+          <a:lstStyle/>
+          <a:p>
+            <a:pPr algn="ctr"/>
+            <a:endParaRPr lang="en-US"/>
+          </a:p>
+        </p:txBody>
+      </p:sp>
+    </p:spTree>
+    <p:extLst>
+      <p:ext uri="{BB962C8B-B14F-4D97-AF65-F5344CB8AC3E}">
+        <p14:creationId xmlns:p14="http://schemas.microsoft.com/office/powerpoint/2010/main" val="2338428174"/>
+      </p:ext>
+    </p:extLst>
+  </p:cSld>
+  <p:clrMapOvr>
+    <a:masterClrMapping/>
+  </p:clrMapOvr>
+</p:sld>
+</file>
+
+<file path=ppt/slides/slide9.xml><?xml version="1.0" encoding="utf-8"?>
+<p:sld xmlns:a="http://schemas.openxmlformats.org/drawingml/2006/main" xmlns:r="http://schemas.openxmlformats.org/officeDocument/2006/relationships" xmlns:p="http://schemas.openxmlformats.org/presentationml/2006/main">
+  <p:cSld>
+    <p:bg>
+      <p:bgPr>
+        <a:solidFill>
+          <a:schemeClr val="bg1"/>
+        </a:solidFill>
+        <a:effectLst/>
+      </p:bgPr>
+    </p:bg>
+    <p:spTree>
+      <p:nvGrpSpPr>
+        <p:cNvPr id="1" name=""/>
+        <p:cNvGrpSpPr/>
+        <p:nvPr/>
+      </p:nvGrpSpPr>
+      <p:grpSpPr>
+        <a:xfrm>
+          <a:off x="0" y="0"/>
+          <a:ext cx="0" cy="0"/>
+          <a:chOff x="0" y="0"/>
+          <a:chExt cx="0" cy="0"/>
+        </a:xfrm>
+      </p:grpSpPr>
+      <p:sp>
+        <p:nvSpPr>
           <p:cNvPr id="2" name="Title 1">
             <a:extLst>
               <a:ext uri="{FF2B5EF4-FFF2-40B4-BE49-F238E27FC236}">
@@ -21579,214 +23529,6 @@
   </p:cSld>
   <p:clrMapOvr>
     <a:masterClrMapping/>
-  </p:clrMapOvr>
-</p:sld>
-</file>
-
-<file path=ppt/slides/slide9.xml><?xml version="1.0" encoding="utf-8"?>
-<p:sld xmlns:a="http://schemas.openxmlformats.org/drawingml/2006/main" xmlns:r="http://schemas.openxmlformats.org/officeDocument/2006/relationships" xmlns:p="http://schemas.openxmlformats.org/presentationml/2006/main">
-  <p:cSld>
-    <p:bg>
-      <p:bgPr>
-        <a:solidFill>
-          <a:schemeClr val="bg1"/>
-        </a:solidFill>
-        <a:effectLst/>
-      </p:bgPr>
-    </p:bg>
-    <p:spTree>
-      <p:nvGrpSpPr>
-        <p:cNvPr id="1" name=""/>
-        <p:cNvGrpSpPr/>
-        <p:nvPr/>
-      </p:nvGrpSpPr>
-      <p:grpSpPr>
-        <a:xfrm>
-          <a:off x="0" y="0"/>
-          <a:ext cx="0" cy="0"/>
-          <a:chOff x="0" y="0"/>
-          <a:chExt cx="0" cy="0"/>
-        </a:xfrm>
-      </p:grpSpPr>
-      <p:sp>
-        <p:nvSpPr>
-          <p:cNvPr id="16" name="Rectangle 15">
-            <a:extLst>
-              <a:ext uri="{FF2B5EF4-FFF2-40B4-BE49-F238E27FC236}">
-                <a16:creationId xmlns:a16="http://schemas.microsoft.com/office/drawing/2014/main" id="{9228552E-C8B1-4A80-8448-0787CE0FC704}"/>
-              </a:ext>
-              <a:ext uri="{C183D7F6-B498-43B3-948B-1728B52AA6E4}">
-                <adec:decorative xmlns:adec="http://schemas.microsoft.com/office/drawing/2017/decorative" val="1"/>
-              </a:ext>
-            </a:extLst>
-          </p:cNvPr>
-          <p:cNvSpPr>
-            <a:spLocks noGrp="1" noRot="1" noChangeAspect="1" noMove="1" noResize="1" noEditPoints="1" noAdjustHandles="1" noChangeArrowheads="1" noChangeShapeType="1" noTextEdit="1"/>
-          </p:cNvSpPr>
-          <p:nvPr>
-            <p:extLst>
-              <p:ext uri="{386F3935-93C4-4BCD-93E2-E3B085C9AB24}">
-                <p16:designElem xmlns:p16="http://schemas.microsoft.com/office/powerpoint/2015/main" val="1"/>
-              </p:ext>
-            </p:extLst>
-          </p:nvPr>
-        </p:nvSpPr>
-        <p:spPr>
-          <a:xfrm>
-            <a:off x="0" y="0"/>
-            <a:ext cx="12192000" cy="6858000"/>
-          </a:xfrm>
-          <a:prstGeom prst="rect">
-            <a:avLst/>
-          </a:prstGeom>
-          <a:solidFill>
-            <a:srgbClr val="000000"/>
-          </a:solidFill>
-          <a:ln>
-            <a:noFill/>
-          </a:ln>
-        </p:spPr>
-        <p:style>
-          <a:lnRef idx="2">
-            <a:schemeClr val="accent1">
-              <a:shade val="50000"/>
-            </a:schemeClr>
-          </a:lnRef>
-          <a:fillRef idx="1">
-            <a:schemeClr val="accent1"/>
-          </a:fillRef>
-          <a:effectRef idx="0">
-            <a:schemeClr val="accent1"/>
-          </a:effectRef>
-          <a:fontRef idx="minor">
-            <a:schemeClr val="lt1"/>
-          </a:fontRef>
-        </p:style>
-        <p:txBody>
-          <a:bodyPr rtlCol="0" anchor="ctr"/>
-          <a:lstStyle/>
-          <a:p>
-            <a:pPr algn="ctr"/>
-            <a:endParaRPr lang="en-US"/>
-          </a:p>
-        </p:txBody>
-      </p:sp>
-      <p:pic>
-        <p:nvPicPr>
-          <p:cNvPr id="7" name="Picture 6" descr="Close-up of a blue surface&#10;&#10;Description automatically generated">
-            <a:extLst>
-              <a:ext uri="{FF2B5EF4-FFF2-40B4-BE49-F238E27FC236}">
-                <a16:creationId xmlns:a16="http://schemas.microsoft.com/office/drawing/2014/main" id="{C1A8DC81-C99E-7F97-568E-8CC548CFFB91}"/>
-              </a:ext>
-            </a:extLst>
-          </p:cNvPr>
-          <p:cNvPicPr>
-            <a:picLocks noChangeAspect="1"/>
-          </p:cNvPicPr>
-          <p:nvPr/>
-        </p:nvPicPr>
-        <p:blipFill rotWithShape="1">
-          <a:blip r:embed="rId2">
-            <a:alphaModFix amt="35000"/>
-          </a:blip>
-          <a:srcRect t="25000"/>
-          <a:stretch/>
-        </p:blipFill>
-        <p:spPr>
-          <a:xfrm>
-            <a:off x="20" y="10"/>
-            <a:ext cx="12191980" cy="6857990"/>
-          </a:xfrm>
-          <a:prstGeom prst="rect">
-            <a:avLst/>
-          </a:prstGeom>
-        </p:spPr>
-      </p:pic>
-      <p:sp>
-        <p:nvSpPr>
-          <p:cNvPr id="2" name="Title 1">
-            <a:extLst>
-              <a:ext uri="{FF2B5EF4-FFF2-40B4-BE49-F238E27FC236}">
-                <a16:creationId xmlns:a16="http://schemas.microsoft.com/office/drawing/2014/main" id="{2661506A-DF5A-1AE3-2CC3-BFB2A6F28192}"/>
-              </a:ext>
-            </a:extLst>
-          </p:cNvPr>
-          <p:cNvSpPr>
-            <a:spLocks noGrp="1"/>
-          </p:cNvSpPr>
-          <p:nvPr>
-            <p:ph type="title"/>
-          </p:nvPr>
-        </p:nvSpPr>
-        <p:spPr>
-          <a:xfrm>
-            <a:off x="838200" y="365125"/>
-            <a:ext cx="10515600" cy="1325563"/>
-          </a:xfrm>
-        </p:spPr>
-        <p:txBody>
-          <a:bodyPr>
-            <a:normAutofit/>
-          </a:bodyPr>
-          <a:lstStyle/>
-          <a:p>
-            <a:r>
-              <a:rPr lang="en-US">
-                <a:solidFill>
-                  <a:srgbClr val="FFFFFF"/>
-                </a:solidFill>
-                <a:cs typeface="Calibri Light"/>
-              </a:rPr>
-              <a:t>Tietoturva</a:t>
-            </a:r>
-            <a:endParaRPr lang="en-US">
-              <a:solidFill>
-                <a:srgbClr val="FFFFFF"/>
-              </a:solidFill>
-            </a:endParaRPr>
-          </a:p>
-        </p:txBody>
-      </p:sp>
-      <p:graphicFrame>
-        <p:nvGraphicFramePr>
-          <p:cNvPr id="5" name="Content Placeholder 2">
-            <a:extLst>
-              <a:ext uri="{FF2B5EF4-FFF2-40B4-BE49-F238E27FC236}">
-                <a16:creationId xmlns:a16="http://schemas.microsoft.com/office/drawing/2014/main" id="{7491AB46-88EC-F32C-A152-4578136AC1C7}"/>
-              </a:ext>
-            </a:extLst>
-          </p:cNvPr>
-          <p:cNvGraphicFramePr>
-            <a:graphicFrameLocks noGrp="1"/>
-          </p:cNvGraphicFramePr>
-          <p:nvPr>
-            <p:ph idx="1"/>
-            <p:extLst>
-              <p:ext uri="{D42A27DB-BD31-4B8C-83A1-F6EECF244321}">
-                <p14:modId xmlns:p14="http://schemas.microsoft.com/office/powerpoint/2010/main" val="3419514887"/>
-              </p:ext>
-            </p:extLst>
-          </p:nvPr>
-        </p:nvGraphicFramePr>
-        <p:xfrm>
-          <a:off x="838200" y="1825625"/>
-          <a:ext cx="10515600" cy="4351338"/>
-        </p:xfrm>
-        <a:graphic>
-          <a:graphicData uri="http://schemas.openxmlformats.org/drawingml/2006/diagram">
-            <dgm:relIds xmlns:dgm="http://schemas.openxmlformats.org/drawingml/2006/diagram" xmlns:r="http://schemas.openxmlformats.org/officeDocument/2006/relationships" r:dm="rId3" r:lo="rId4" r:qs="rId5" r:cs="rId6"/>
-          </a:graphicData>
-        </a:graphic>
-      </p:graphicFrame>
-    </p:spTree>
-    <p:extLst>
-      <p:ext uri="{BB962C8B-B14F-4D97-AF65-F5344CB8AC3E}">
-        <p14:creationId xmlns:p14="http://schemas.microsoft.com/office/powerpoint/2010/main" val="903075772"/>
-      </p:ext>
-    </p:extLst>
-  </p:cSld>
-  <p:clrMapOvr>
-    <a:overrideClrMapping bg1="dk1" tx1="lt1" bg2="dk2" tx2="lt2" accent1="accent1" accent2="accent2" accent3="accent3" accent4="accent4" accent5="accent5" accent6="accent6" hlink="hlink" folHlink="folHlink"/>
   </p:clrMapOvr>
 </p:sld>
 </file>
